--- a/Форум Альтернативной истории.pptx
+++ b/Форум Альтернативной истории.pptx
@@ -107,6 +107,11 @@
       </a:defRPr>
     </a:lvl9pPr>
   </p:defaultTextStyle>
+  <p:extLst>
+    <p:ext uri="{EFAFB233-063F-42B5-8137-9DF3F51BA10A}">
+      <p15:sldGuideLst xmlns:p15="http://schemas.microsoft.com/office/powerpoint/2012/main"/>
+    </p:ext>
+  </p:extLst>
 </p:presentation>
 </file>
 
@@ -3352,9 +3357,34 @@
           <a:p>
             <a:pPr algn="ctr"/>
             <a:r>
-              <a:rPr lang="ru-RU" dirty="0"/>
-              <a:t>Форум Альтернативной истории</a:t>
-            </a:r>
+              <a:rPr lang="ru-RU" dirty="0" smtClean="0">
+                <a:latin typeface="Calibri" panose="020F0502020204030204" pitchFamily="34" charset="0"/>
+                <a:ea typeface="Calibri" panose="020F0502020204030204" pitchFamily="34" charset="0"/>
+                <a:cs typeface="Calibri" panose="020F0502020204030204" pitchFamily="34" charset="0"/>
+              </a:rPr>
+              <a:t>Форум</a:t>
+            </a:r>
+            <a:r>
+              <a:rPr lang="en-US" dirty="0">
+                <a:latin typeface="Calibri" panose="020F0502020204030204" pitchFamily="34" charset="0"/>
+                <a:ea typeface="Calibri" panose="020F0502020204030204" pitchFamily="34" charset="0"/>
+                <a:cs typeface="Calibri" panose="020F0502020204030204" pitchFamily="34" charset="0"/>
+              </a:rPr>
+              <a:t> </a:t>
+            </a:r>
+            <a:r>
+              <a:rPr lang="ru-RU" dirty="0" smtClean="0">
+                <a:latin typeface="Calibri" panose="020F0502020204030204" pitchFamily="34" charset="0"/>
+                <a:ea typeface="Calibri" panose="020F0502020204030204" pitchFamily="34" charset="0"/>
+                <a:cs typeface="Calibri" panose="020F0502020204030204" pitchFamily="34" charset="0"/>
+              </a:rPr>
+              <a:t>на все темы</a:t>
+            </a:r>
+            <a:endParaRPr lang="ru-RU" dirty="0">
+              <a:latin typeface="Calibri" panose="020F0502020204030204" pitchFamily="34" charset="0"/>
+              <a:ea typeface="Calibri" panose="020F0502020204030204" pitchFamily="34" charset="0"/>
+              <a:cs typeface="Calibri" panose="020F0502020204030204" pitchFamily="34" charset="0"/>
+            </a:endParaRPr>
           </a:p>
         </p:txBody>
       </p:sp>
@@ -3388,7 +3418,11 @@
               <a:buNone/>
             </a:pPr>
             <a:r>
-              <a:rPr lang="ru-RU" dirty="0"/>
+              <a:rPr lang="ru-RU" dirty="0">
+                <a:latin typeface="Calibri" panose="020F0502020204030204" pitchFamily="34" charset="0"/>
+                <a:ea typeface="Calibri" panose="020F0502020204030204" pitchFamily="34" charset="0"/>
+                <a:cs typeface="Calibri" panose="020F0502020204030204" pitchFamily="34" charset="0"/>
+              </a:rPr>
               <a:t>Бирюков Всеволод</a:t>
             </a:r>
           </a:p>
@@ -3451,7 +3485,11 @@
           <a:lstStyle/>
           <a:p>
             <a:r>
-              <a:rPr lang="ru-RU" dirty="0"/>
+              <a:rPr lang="ru-RU" dirty="0">
+                <a:latin typeface="Calibri" panose="020F0502020204030204" pitchFamily="34" charset="0"/>
+                <a:ea typeface="Calibri" panose="020F0502020204030204" pitchFamily="34" charset="0"/>
+                <a:cs typeface="Calibri" panose="020F0502020204030204" pitchFamily="34" charset="0"/>
+              </a:rPr>
               <a:t>Введение</a:t>
             </a:r>
           </a:p>
@@ -3490,13 +3528,34 @@
               <a:buChar char="•"/>
             </a:pPr>
             <a:r>
-              <a:rPr lang="ru-RU" b="1" dirty="0"/>
+              <a:rPr lang="ru-RU" b="1" dirty="0">
+                <a:latin typeface="Calibri" panose="020F0502020204030204" pitchFamily="34" charset="0"/>
+                <a:ea typeface="Calibri" panose="020F0502020204030204" pitchFamily="34" charset="0"/>
+                <a:cs typeface="Calibri" panose="020F0502020204030204" pitchFamily="34" charset="0"/>
+              </a:rPr>
               <a:t>Цель проекта</a:t>
             </a:r>
             <a:r>
-              <a:rPr lang="ru-RU" dirty="0"/>
-              <a:t>: создать удобный форум для обсуждения альтернативных историй</a:t>
-            </a:r>
+              <a:rPr lang="ru-RU" dirty="0">
+                <a:latin typeface="Calibri" panose="020F0502020204030204" pitchFamily="34" charset="0"/>
+                <a:ea typeface="Calibri" panose="020F0502020204030204" pitchFamily="34" charset="0"/>
+                <a:cs typeface="Calibri" panose="020F0502020204030204" pitchFamily="34" charset="0"/>
+              </a:rPr>
+              <a:t>: создать удобный форум для обсуждения </a:t>
+            </a:r>
+            <a:r>
+              <a:rPr lang="ru-RU" dirty="0" smtClean="0">
+                <a:latin typeface="Calibri" panose="020F0502020204030204" pitchFamily="34" charset="0"/>
+                <a:ea typeface="Calibri" panose="020F0502020204030204" pitchFamily="34" charset="0"/>
+                <a:cs typeface="Calibri" panose="020F0502020204030204" pitchFamily="34" charset="0"/>
+              </a:rPr>
+              <a:t>всего что хотят пользователи</a:t>
+            </a:r>
+            <a:endParaRPr lang="ru-RU" dirty="0">
+              <a:latin typeface="Calibri" panose="020F0502020204030204" pitchFamily="34" charset="0"/>
+              <a:ea typeface="Calibri" panose="020F0502020204030204" pitchFamily="34" charset="0"/>
+              <a:cs typeface="Calibri" panose="020F0502020204030204" pitchFamily="34" charset="0"/>
+            </a:endParaRPr>
           </a:p>
           <a:p>
             <a:pPr algn="l">
@@ -3504,12 +3563,28 @@
               <a:buChar char="•"/>
             </a:pPr>
             <a:r>
-              <a:rPr lang="ru-RU" b="1" dirty="0"/>
+              <a:rPr lang="ru-RU" b="1" dirty="0">
+                <a:latin typeface="Calibri" panose="020F0502020204030204" pitchFamily="34" charset="0"/>
+                <a:ea typeface="Calibri" panose="020F0502020204030204" pitchFamily="34" charset="0"/>
+                <a:cs typeface="Calibri" panose="020F0502020204030204" pitchFamily="34" charset="0"/>
+              </a:rPr>
               <a:t>Особенность</a:t>
             </a:r>
             <a:r>
-              <a:rPr lang="ru-RU" dirty="0"/>
-              <a:t>: возможность указывать в темах альтернативные точки развилки — события, где история могла пойти иначе</a:t>
+              <a:rPr lang="ru-RU" dirty="0">
+                <a:latin typeface="Calibri" panose="020F0502020204030204" pitchFamily="34" charset="0"/>
+                <a:ea typeface="Calibri" panose="020F0502020204030204" pitchFamily="34" charset="0"/>
+                <a:cs typeface="Calibri" panose="020F0502020204030204" pitchFamily="34" charset="0"/>
+              </a:rPr>
+              <a:t>: возможность </a:t>
+            </a:r>
+            <a:r>
+              <a:rPr lang="ru-RU" dirty="0" smtClean="0">
+                <a:latin typeface="Calibri" panose="020F0502020204030204" pitchFamily="34" charset="0"/>
+                <a:ea typeface="Calibri" panose="020F0502020204030204" pitchFamily="34" charset="0"/>
+                <a:cs typeface="Calibri" panose="020F0502020204030204" pitchFamily="34" charset="0"/>
+              </a:rPr>
+              <a:t>создания и обсуждения всех тем, что пользователь захочет</a:t>
             </a:r>
           </a:p>
           <a:p>
@@ -3518,17 +3593,42 @@
               <a:buChar char="•"/>
             </a:pPr>
             <a:r>
-              <a:rPr lang="ru-RU" b="1" dirty="0"/>
+              <a:rPr lang="ru-RU" b="1" dirty="0" smtClean="0">
+                <a:latin typeface="Calibri" panose="020F0502020204030204" pitchFamily="34" charset="0"/>
+                <a:ea typeface="Calibri" panose="020F0502020204030204" pitchFamily="34" charset="0"/>
+                <a:cs typeface="Calibri" panose="020F0502020204030204" pitchFamily="34" charset="0"/>
+              </a:rPr>
               <a:t>Актуальность</a:t>
             </a:r>
             <a:r>
-              <a:rPr lang="ru-RU" dirty="0"/>
-              <a:t>: альтернативная история популярна и позволяет развивать критическое мышление</a:t>
-            </a:r>
-          </a:p>
-          <a:p>
-            <a:pPr algn="l"/>
-            <a:endParaRPr lang="ru-RU" dirty="0"/>
+              <a:rPr lang="ru-RU" dirty="0" smtClean="0">
+                <a:latin typeface="Calibri" panose="020F0502020204030204" pitchFamily="34" charset="0"/>
+                <a:ea typeface="Calibri" panose="020F0502020204030204" pitchFamily="34" charset="0"/>
+                <a:cs typeface="Calibri" panose="020F0502020204030204" pitchFamily="34" charset="0"/>
+              </a:rPr>
+              <a:t>: несмотря на развитие социальных сетей и мессенджеров, форумы остаются важной площадкой для </a:t>
+            </a:r>
+            <a:r>
+              <a:rPr lang="ru-RU" dirty="0" err="1" smtClean="0">
+                <a:latin typeface="Calibri" panose="020F0502020204030204" pitchFamily="34" charset="0"/>
+                <a:ea typeface="Calibri" panose="020F0502020204030204" pitchFamily="34" charset="0"/>
+                <a:cs typeface="Calibri" panose="020F0502020204030204" pitchFamily="34" charset="0"/>
+              </a:rPr>
+              <a:t>структуированного</a:t>
+            </a:r>
+            <a:r>
+              <a:rPr lang="ru-RU" dirty="0" smtClean="0">
+                <a:latin typeface="Calibri" panose="020F0502020204030204" pitchFamily="34" charset="0"/>
+                <a:ea typeface="Calibri" panose="020F0502020204030204" pitchFamily="34" charset="0"/>
+                <a:cs typeface="Calibri" panose="020F0502020204030204" pitchFamily="34" charset="0"/>
+              </a:rPr>
+              <a:t> обсуждения, поиска информации и формирования сообществ</a:t>
+            </a:r>
+            <a:endParaRPr lang="ru-RU" dirty="0">
+              <a:latin typeface="Calibri" panose="020F0502020204030204" pitchFamily="34" charset="0"/>
+              <a:ea typeface="Calibri" panose="020F0502020204030204" pitchFamily="34" charset="0"/>
+              <a:cs typeface="Calibri" panose="020F0502020204030204" pitchFamily="34" charset="0"/>
+            </a:endParaRPr>
           </a:p>
         </p:txBody>
       </p:sp>
@@ -3584,7 +3684,10 @@
           <a:lstStyle/>
           <a:p>
             <a:r>
-              <a:rPr lang="ru-RU" dirty="0"/>
+              <a:rPr lang="ru-RU" dirty="0">
+                <a:latin typeface="Arial" panose="020B0604020202020204" pitchFamily="34" charset="0"/>
+                <a:cs typeface="Arial" panose="020B0604020202020204" pitchFamily="34" charset="0"/>
+              </a:rPr>
               <a:t>Функционал</a:t>
             </a:r>
           </a:p>
@@ -3617,25 +3720,40 @@
           <a:lstStyle/>
           <a:p>
             <a:r>
-              <a:rPr lang="ru-RU" dirty="0"/>
+              <a:rPr lang="ru-RU" dirty="0">
+                <a:latin typeface="Arial" panose="020B0604020202020204" pitchFamily="34" charset="0"/>
+                <a:cs typeface="Arial" panose="020B0604020202020204" pitchFamily="34" charset="0"/>
+              </a:rPr>
               <a:t>Создание и редактирование профиля</a:t>
             </a:r>
-            <a:endParaRPr lang="en-US" dirty="0"/>
-          </a:p>
-          <a:p>
-            <a:r>
-              <a:rPr lang="ru-RU" dirty="0"/>
+            <a:endParaRPr lang="en-US" dirty="0">
+              <a:latin typeface="Arial" panose="020B0604020202020204" pitchFamily="34" charset="0"/>
+              <a:cs typeface="Arial" panose="020B0604020202020204" pitchFamily="34" charset="0"/>
+            </a:endParaRPr>
+          </a:p>
+          <a:p>
+            <a:r>
+              <a:rPr lang="ru-RU" dirty="0">
+                <a:latin typeface="Arial" panose="020B0604020202020204" pitchFamily="34" charset="0"/>
+                <a:cs typeface="Arial" panose="020B0604020202020204" pitchFamily="34" charset="0"/>
+              </a:rPr>
               <a:t>Создание, редактирование и просмотр тем и комментариев</a:t>
             </a:r>
           </a:p>
           <a:p>
             <a:r>
-              <a:rPr lang="ru-RU" dirty="0"/>
+              <a:rPr lang="ru-RU" dirty="0">
+                <a:latin typeface="Arial" panose="020B0604020202020204" pitchFamily="34" charset="0"/>
+                <a:cs typeface="Arial" panose="020B0604020202020204" pitchFamily="34" charset="0"/>
+              </a:rPr>
               <a:t>Управление пользователями админами и модераторами</a:t>
             </a:r>
           </a:p>
           <a:p>
-            <a:endParaRPr lang="ru-RU" dirty="0"/>
+            <a:endParaRPr lang="ru-RU" dirty="0">
+              <a:latin typeface="Arial" panose="020B0604020202020204" pitchFamily="34" charset="0"/>
+              <a:cs typeface="Arial" panose="020B0604020202020204" pitchFamily="34" charset="0"/>
+            </a:endParaRPr>
           </a:p>
         </p:txBody>
       </p:sp>

--- a/Форум Альтернативной истории.pptx
+++ b/Форум Альтернативной истории.pptx
@@ -3622,7 +3622,47 @@
                 <a:ea typeface="Calibri" panose="020F0502020204030204" pitchFamily="34" charset="0"/>
                 <a:cs typeface="Calibri" panose="020F0502020204030204" pitchFamily="34" charset="0"/>
               </a:rPr>
-              <a:t> обсуждения, поиска информации и формирования сообществ</a:t>
+              <a:t> обсуждения, поиска информации и формирования </a:t>
+            </a:r>
+            <a:r>
+              <a:rPr lang="ru-RU" dirty="0" smtClean="0">
+                <a:latin typeface="Calibri" panose="020F0502020204030204" pitchFamily="34" charset="0"/>
+                <a:ea typeface="Calibri" panose="020F0502020204030204" pitchFamily="34" charset="0"/>
+                <a:cs typeface="Calibri" panose="020F0502020204030204" pitchFamily="34" charset="0"/>
+              </a:rPr>
+              <a:t>сообществ</a:t>
+            </a:r>
+            <a:r>
+              <a:rPr lang="en-US" dirty="0" smtClean="0">
+                <a:latin typeface="Calibri" panose="020F0502020204030204" pitchFamily="34" charset="0"/>
+                <a:ea typeface="Calibri" panose="020F0502020204030204" pitchFamily="34" charset="0"/>
+                <a:cs typeface="Calibri" panose="020F0502020204030204" pitchFamily="34" charset="0"/>
+              </a:rPr>
+              <a:t>. </a:t>
+            </a:r>
+            <a:r>
+              <a:rPr lang="ru-RU" dirty="0" smtClean="0">
+                <a:latin typeface="Calibri" panose="020F0502020204030204" pitchFamily="34" charset="0"/>
+                <a:ea typeface="Calibri" panose="020F0502020204030204" pitchFamily="34" charset="0"/>
+                <a:cs typeface="Calibri" panose="020F0502020204030204" pitchFamily="34" charset="0"/>
+              </a:rPr>
+              <a:t>Данный форум является также </a:t>
+            </a:r>
+            <a:r>
+              <a:rPr lang="ru-RU" smtClean="0">
+                <a:latin typeface="Calibri" panose="020F0502020204030204" pitchFamily="34" charset="0"/>
+                <a:ea typeface="Calibri" panose="020F0502020204030204" pitchFamily="34" charset="0"/>
+                <a:cs typeface="Calibri" panose="020F0502020204030204" pitchFamily="34" charset="0"/>
+              </a:rPr>
+              <a:t>востребованным из-за </a:t>
+            </a:r>
+            <a:r>
+              <a:rPr lang="ru-RU" dirty="0" smtClean="0">
+                <a:latin typeface="Calibri" panose="020F0502020204030204" pitchFamily="34" charset="0"/>
+                <a:ea typeface="Calibri" panose="020F0502020204030204" pitchFamily="34" charset="0"/>
+                <a:cs typeface="Calibri" panose="020F0502020204030204" pitchFamily="34" charset="0"/>
+              </a:rPr>
+              <a:t>универсальности</a:t>
             </a:r>
             <a:endParaRPr lang="ru-RU" dirty="0">
               <a:latin typeface="Calibri" panose="020F0502020204030204" pitchFamily="34" charset="0"/>
